--- a/week 3 (Lab 1- Excel and R)/week_3_slides.pptx
+++ b/week 3 (Lab 1- Excel and R)/week_3_slides.pptx
@@ -5,20 +5,21 @@
     <p:sldMasterId id="2147483648" r:id="rId1"/>
   </p:sldMasterIdLst>
   <p:notesMasterIdLst>
-    <p:notesMasterId r:id="rId13"/>
+    <p:notesMasterId r:id="rId14"/>
   </p:notesMasterIdLst>
   <p:sldIdLst>
     <p:sldId id="259" r:id="rId2"/>
     <p:sldId id="267" r:id="rId3"/>
-    <p:sldId id="260" r:id="rId4"/>
-    <p:sldId id="261" r:id="rId5"/>
-    <p:sldId id="262" r:id="rId6"/>
-    <p:sldId id="263" r:id="rId7"/>
-    <p:sldId id="266" r:id="rId8"/>
-    <p:sldId id="268" r:id="rId9"/>
-    <p:sldId id="269" r:id="rId10"/>
-    <p:sldId id="265" r:id="rId11"/>
-    <p:sldId id="270" r:id="rId12"/>
+    <p:sldId id="271" r:id="rId4"/>
+    <p:sldId id="260" r:id="rId5"/>
+    <p:sldId id="261" r:id="rId6"/>
+    <p:sldId id="262" r:id="rId7"/>
+    <p:sldId id="263" r:id="rId8"/>
+    <p:sldId id="266" r:id="rId9"/>
+    <p:sldId id="268" r:id="rId10"/>
+    <p:sldId id="269" r:id="rId11"/>
+    <p:sldId id="265" r:id="rId12"/>
+    <p:sldId id="270" r:id="rId13"/>
   </p:sldIdLst>
   <p:sldSz cx="12192000" cy="6858000"/>
   <p:notesSz cx="6858000" cy="9144000"/>
@@ -138,7 +139,7 @@
   <pc:docChgLst>
     <pc:chgData name="Liam Berigan" userId="1a8d56fc-de3a-4c9a-bb6e-0d52f35feb29" providerId="ADAL" clId="{ECB95204-034B-4AE8-89C0-15C0C09FA633}"/>
     <pc:docChg chg="custSel addSld modSld">
-      <pc:chgData name="Liam Berigan" userId="1a8d56fc-de3a-4c9a-bb6e-0d52f35feb29" providerId="ADAL" clId="{ECB95204-034B-4AE8-89C0-15C0C09FA633}" dt="2023-09-08T17:48:09.877" v="59"/>
+      <pc:chgData name="Liam Berigan" userId="1a8d56fc-de3a-4c9a-bb6e-0d52f35feb29" providerId="ADAL" clId="{ECB95204-034B-4AE8-89C0-15C0C09FA633}" dt="2023-09-11T14:12:40.691" v="61" actId="22"/>
       <pc:docMkLst>
         <pc:docMk/>
       </pc:docMkLst>
@@ -233,6 +234,21 @@
             <ac:graphicFrameMk id="7" creationId="{57C81F3D-4E93-3EF0-43C3-1A9C182F0836}"/>
           </ac:graphicFrameMkLst>
         </pc:graphicFrameChg>
+      </pc:sldChg>
+      <pc:sldChg chg="addSp new mod">
+        <pc:chgData name="Liam Berigan" userId="1a8d56fc-de3a-4c9a-bb6e-0d52f35feb29" providerId="ADAL" clId="{ECB95204-034B-4AE8-89C0-15C0C09FA633}" dt="2023-09-11T14:12:40.691" v="61" actId="22"/>
+        <pc:sldMkLst>
+          <pc:docMk/>
+          <pc:sldMk cId="3077639231" sldId="271"/>
+        </pc:sldMkLst>
+        <pc:picChg chg="add">
+          <ac:chgData name="Liam Berigan" userId="1a8d56fc-de3a-4c9a-bb6e-0d52f35feb29" providerId="ADAL" clId="{ECB95204-034B-4AE8-89C0-15C0C09FA633}" dt="2023-09-11T14:12:40.691" v="61" actId="22"/>
+          <ac:picMkLst>
+            <pc:docMk/>
+            <pc:sldMk cId="3077639231" sldId="271"/>
+            <ac:picMk id="3" creationId="{3286C723-7CC1-6EEB-440B-4B2653AD966A}"/>
+          </ac:picMkLst>
+        </pc:picChg>
       </pc:sldChg>
     </pc:docChg>
   </pc:docChgLst>
@@ -552,7 +568,7 @@
           <a:p>
             <a:fld id="{11D7707F-B5DF-4561-A8A3-2E8540CC1700}" type="datetimeFigureOut">
               <a:rPr lang="en-US" smtClean="0"/>
-              <a:t>9/10/2023</a:t>
+              <a:t>9/11/2023</a:t>
             </a:fld>
             <a:endParaRPr lang="en-US"/>
           </a:p>
@@ -887,7 +903,7 @@
           <a:p>
             <a:fld id="{AB97D5C5-0328-44CB-8801-DC9636CD8185}" type="slidenum">
               <a:rPr lang="en-US" smtClean="0"/>
-              <a:t>3</a:t>
+              <a:t>4</a:t>
             </a:fld>
             <a:endParaRPr lang="en-US"/>
           </a:p>
@@ -1053,7 +1069,7 @@
           <a:p>
             <a:fld id="{E89B7C1C-1E10-4951-BD67-5EBA6969055E}" type="datetimeFigureOut">
               <a:rPr lang="en-US" smtClean="0"/>
-              <a:t>9/10/2023</a:t>
+              <a:t>9/11/2023</a:t>
             </a:fld>
             <a:endParaRPr lang="en-US"/>
           </a:p>
@@ -1251,7 +1267,7 @@
           <a:p>
             <a:fld id="{E89B7C1C-1E10-4951-BD67-5EBA6969055E}" type="datetimeFigureOut">
               <a:rPr lang="en-US" smtClean="0"/>
-              <a:t>9/10/2023</a:t>
+              <a:t>9/11/2023</a:t>
             </a:fld>
             <a:endParaRPr lang="en-US"/>
           </a:p>
@@ -1459,7 +1475,7 @@
           <a:p>
             <a:fld id="{E89B7C1C-1E10-4951-BD67-5EBA6969055E}" type="datetimeFigureOut">
               <a:rPr lang="en-US" smtClean="0"/>
-              <a:t>9/10/2023</a:t>
+              <a:t>9/11/2023</a:t>
             </a:fld>
             <a:endParaRPr lang="en-US"/>
           </a:p>
@@ -1657,7 +1673,7 @@
           <a:p>
             <a:fld id="{E89B7C1C-1E10-4951-BD67-5EBA6969055E}" type="datetimeFigureOut">
               <a:rPr lang="en-US" smtClean="0"/>
-              <a:t>9/10/2023</a:t>
+              <a:t>9/11/2023</a:t>
             </a:fld>
             <a:endParaRPr lang="en-US"/>
           </a:p>
@@ -1932,7 +1948,7 @@
           <a:p>
             <a:fld id="{E89B7C1C-1E10-4951-BD67-5EBA6969055E}" type="datetimeFigureOut">
               <a:rPr lang="en-US" smtClean="0"/>
-              <a:t>9/10/2023</a:t>
+              <a:t>9/11/2023</a:t>
             </a:fld>
             <a:endParaRPr lang="en-US"/>
           </a:p>
@@ -2197,7 +2213,7 @@
           <a:p>
             <a:fld id="{E89B7C1C-1E10-4951-BD67-5EBA6969055E}" type="datetimeFigureOut">
               <a:rPr lang="en-US" smtClean="0"/>
-              <a:t>9/10/2023</a:t>
+              <a:t>9/11/2023</a:t>
             </a:fld>
             <a:endParaRPr lang="en-US"/>
           </a:p>
@@ -2609,7 +2625,7 @@
           <a:p>
             <a:fld id="{E89B7C1C-1E10-4951-BD67-5EBA6969055E}" type="datetimeFigureOut">
               <a:rPr lang="en-US" smtClean="0"/>
-              <a:t>9/10/2023</a:t>
+              <a:t>9/11/2023</a:t>
             </a:fld>
             <a:endParaRPr lang="en-US"/>
           </a:p>
@@ -2750,7 +2766,7 @@
           <a:p>
             <a:fld id="{E89B7C1C-1E10-4951-BD67-5EBA6969055E}" type="datetimeFigureOut">
               <a:rPr lang="en-US" smtClean="0"/>
-              <a:t>9/10/2023</a:t>
+              <a:t>9/11/2023</a:t>
             </a:fld>
             <a:endParaRPr lang="en-US"/>
           </a:p>
@@ -2863,7 +2879,7 @@
           <a:p>
             <a:fld id="{E89B7C1C-1E10-4951-BD67-5EBA6969055E}" type="datetimeFigureOut">
               <a:rPr lang="en-US" smtClean="0"/>
-              <a:t>9/10/2023</a:t>
+              <a:t>9/11/2023</a:t>
             </a:fld>
             <a:endParaRPr lang="en-US"/>
           </a:p>
@@ -3174,7 +3190,7 @@
           <a:p>
             <a:fld id="{E89B7C1C-1E10-4951-BD67-5EBA6969055E}" type="datetimeFigureOut">
               <a:rPr lang="en-US" smtClean="0"/>
-              <a:t>9/10/2023</a:t>
+              <a:t>9/11/2023</a:t>
             </a:fld>
             <a:endParaRPr lang="en-US"/>
           </a:p>
@@ -3462,7 +3478,7 @@
           <a:p>
             <a:fld id="{E89B7C1C-1E10-4951-BD67-5EBA6969055E}" type="datetimeFigureOut">
               <a:rPr lang="en-US" smtClean="0"/>
-              <a:t>9/10/2023</a:t>
+              <a:t>9/11/2023</a:t>
             </a:fld>
             <a:endParaRPr lang="en-US"/>
           </a:p>
@@ -3703,7 +3719,7 @@
           <a:p>
             <a:fld id="{E89B7C1C-1E10-4951-BD67-5EBA6969055E}" type="datetimeFigureOut">
               <a:rPr lang="en-US" smtClean="0"/>
-              <a:t>9/10/2023</a:t>
+              <a:t>9/11/2023</a:t>
             </a:fld>
             <a:endParaRPr lang="en-US"/>
           </a:p>
@@ -4260,6 +4276,310 @@
 </file>
 
 <file path=ppt/slides/slide10.xml><?xml version="1.0" encoding="utf-8"?>
+<p:sld xmlns:a="http://schemas.openxmlformats.org/drawingml/2006/main" xmlns:r="http://schemas.openxmlformats.org/officeDocument/2006/relationships" xmlns:p="http://schemas.openxmlformats.org/presentationml/2006/main">
+  <p:cSld>
+    <p:spTree>
+      <p:nvGrpSpPr>
+        <p:cNvPr id="1" name=""/>
+        <p:cNvGrpSpPr/>
+        <p:nvPr/>
+      </p:nvGrpSpPr>
+      <p:grpSpPr>
+        <a:xfrm>
+          <a:off x="0" y="0"/>
+          <a:ext cx="0" cy="0"/>
+          <a:chOff x="0" y="0"/>
+          <a:chExt cx="0" cy="0"/>
+        </a:xfrm>
+      </p:grpSpPr>
+      <p:sp>
+        <p:nvSpPr>
+          <p:cNvPr id="2" name="Title 1">
+            <a:extLst>
+              <a:ext uri="{FF2B5EF4-FFF2-40B4-BE49-F238E27FC236}">
+                <a16:creationId xmlns:a16="http://schemas.microsoft.com/office/drawing/2014/main" id="{B266A0CA-6545-7BC0-292D-52623D173854}"/>
+              </a:ext>
+            </a:extLst>
+          </p:cNvPr>
+          <p:cNvSpPr>
+            <a:spLocks noGrp="1"/>
+          </p:cNvSpPr>
+          <p:nvPr>
+            <p:ph type="title"/>
+          </p:nvPr>
+        </p:nvSpPr>
+        <p:spPr/>
+        <p:txBody>
+          <a:bodyPr/>
+          <a:lstStyle/>
+          <a:p>
+            <a:r>
+              <a:rPr lang="en-US" dirty="0"/>
+              <a:t>Statistics review</a:t>
+            </a:r>
+          </a:p>
+        </p:txBody>
+      </p:sp>
+      <p:sp>
+        <p:nvSpPr>
+          <p:cNvPr id="3" name="Content Placeholder 2">
+            <a:extLst>
+              <a:ext uri="{FF2B5EF4-FFF2-40B4-BE49-F238E27FC236}">
+                <a16:creationId xmlns:a16="http://schemas.microsoft.com/office/drawing/2014/main" id="{075ACEFB-D489-F3A7-BFC6-FD3EAC165802}"/>
+              </a:ext>
+            </a:extLst>
+          </p:cNvPr>
+          <p:cNvSpPr>
+            <a:spLocks noGrp="1"/>
+          </p:cNvSpPr>
+          <p:nvPr>
+            <p:ph idx="1"/>
+          </p:nvPr>
+        </p:nvSpPr>
+        <p:spPr>
+          <a:xfrm>
+            <a:off x="749300" y="1444624"/>
+            <a:ext cx="11074400" cy="4918075"/>
+          </a:xfrm>
+        </p:spPr>
+        <p:txBody>
+          <a:bodyPr>
+            <a:normAutofit/>
+          </a:bodyPr>
+          <a:lstStyle/>
+          <a:p>
+            <a:r>
+              <a:rPr lang="en-US" dirty="0"/>
+              <a:t>Population statistics</a:t>
+            </a:r>
+          </a:p>
+          <a:p>
+            <a:pPr lvl="1"/>
+            <a:r>
+              <a:rPr lang="en-US" dirty="0"/>
+              <a:t>95% confidence intervals:</a:t>
+            </a:r>
+          </a:p>
+          <a:p>
+            <a:pPr lvl="2"/>
+            <a:r>
+              <a:rPr lang="en-US" dirty="0"/>
+              <a:t>An interval which should include the population mean 95% of the time</a:t>
+            </a:r>
+          </a:p>
+          <a:p>
+            <a:pPr lvl="2"/>
+            <a:r>
+              <a:rPr lang="en-US" dirty="0"/>
+              <a:t>Lower boundary: x̅ – 1.96*SE</a:t>
+            </a:r>
+          </a:p>
+          <a:p>
+            <a:pPr lvl="2"/>
+            <a:r>
+              <a:rPr lang="en-US" dirty="0"/>
+              <a:t>Upper boundary: x̅ + 1.96*SE</a:t>
+            </a:r>
+          </a:p>
+          <a:p>
+            <a:pPr marL="914400" lvl="2" indent="0">
+              <a:buNone/>
+            </a:pPr>
+            <a:endParaRPr lang="en-US" dirty="0"/>
+          </a:p>
+        </p:txBody>
+      </p:sp>
+    </p:spTree>
+    <p:extLst>
+      <p:ext uri="{BB962C8B-B14F-4D97-AF65-F5344CB8AC3E}">
+        <p14:creationId xmlns:p14="http://schemas.microsoft.com/office/powerpoint/2010/main" val="3193460410"/>
+      </p:ext>
+    </p:extLst>
+  </p:cSld>
+  <p:clrMapOvr>
+    <a:masterClrMapping/>
+  </p:clrMapOvr>
+  <p:timing>
+    <p:tnLst>
+      <p:par>
+        <p:cTn id="1" dur="indefinite" restart="never" nodeType="tmRoot">
+          <p:childTnLst>
+            <p:seq concurrent="1" nextAc="seek">
+              <p:cTn id="2" dur="indefinite" nodeType="mainSeq">
+                <p:childTnLst>
+                  <p:par>
+                    <p:cTn id="3" fill="hold">
+                      <p:stCondLst>
+                        <p:cond delay="indefinite"/>
+                      </p:stCondLst>
+                      <p:childTnLst>
+                        <p:par>
+                          <p:cTn id="4" fill="hold">
+                            <p:stCondLst>
+                              <p:cond delay="0"/>
+                            </p:stCondLst>
+                            <p:childTnLst>
+                              <p:par>
+                                <p:cTn id="5" presetID="10" presetClass="entr" presetSubtype="0" fill="hold" nodeType="clickEffect">
+                                  <p:stCondLst>
+                                    <p:cond delay="0"/>
+                                  </p:stCondLst>
+                                  <p:childTnLst>
+                                    <p:set>
+                                      <p:cBhvr>
+                                        <p:cTn id="6" dur="1" fill="hold">
+                                          <p:stCondLst>
+                                            <p:cond delay="0"/>
+                                          </p:stCondLst>
+                                        </p:cTn>
+                                        <p:tgtEl>
+                                          <p:spTgt spid="3">
+                                            <p:txEl>
+                                              <p:pRg st="2" end="2"/>
+                                            </p:txEl>
+                                          </p:spTgt>
+                                        </p:tgtEl>
+                                        <p:attrNameLst>
+                                          <p:attrName>style.visibility</p:attrName>
+                                        </p:attrNameLst>
+                                      </p:cBhvr>
+                                      <p:to>
+                                        <p:strVal val="visible"/>
+                                      </p:to>
+                                    </p:set>
+                                    <p:animEffect transition="in" filter="fade">
+                                      <p:cBhvr>
+                                        <p:cTn id="7" dur="500"/>
+                                        <p:tgtEl>
+                                          <p:spTgt spid="3">
+                                            <p:txEl>
+                                              <p:pRg st="2" end="2"/>
+                                            </p:txEl>
+                                          </p:spTgt>
+                                        </p:tgtEl>
+                                      </p:cBhvr>
+                                    </p:animEffect>
+                                  </p:childTnLst>
+                                </p:cTn>
+                              </p:par>
+                              <p:par>
+                                <p:cTn id="8" presetID="10" presetClass="entr" presetSubtype="0" fill="hold" nodeType="withEffect">
+                                  <p:stCondLst>
+                                    <p:cond delay="0"/>
+                                  </p:stCondLst>
+                                  <p:childTnLst>
+                                    <p:set>
+                                      <p:cBhvr>
+                                        <p:cTn id="9" dur="1" fill="hold">
+                                          <p:stCondLst>
+                                            <p:cond delay="0"/>
+                                          </p:stCondLst>
+                                        </p:cTn>
+                                        <p:tgtEl>
+                                          <p:spTgt spid="3">
+                                            <p:txEl>
+                                              <p:pRg st="3" end="3"/>
+                                            </p:txEl>
+                                          </p:spTgt>
+                                        </p:tgtEl>
+                                        <p:attrNameLst>
+                                          <p:attrName>style.visibility</p:attrName>
+                                        </p:attrNameLst>
+                                      </p:cBhvr>
+                                      <p:to>
+                                        <p:strVal val="visible"/>
+                                      </p:to>
+                                    </p:set>
+                                    <p:animEffect transition="in" filter="fade">
+                                      <p:cBhvr>
+                                        <p:cTn id="10" dur="500"/>
+                                        <p:tgtEl>
+                                          <p:spTgt spid="3">
+                                            <p:txEl>
+                                              <p:pRg st="3" end="3"/>
+                                            </p:txEl>
+                                          </p:spTgt>
+                                        </p:tgtEl>
+                                      </p:cBhvr>
+                                    </p:animEffect>
+                                  </p:childTnLst>
+                                </p:cTn>
+                              </p:par>
+                              <p:par>
+                                <p:cTn id="11" presetID="10" presetClass="entr" presetSubtype="0" fill="hold" nodeType="withEffect">
+                                  <p:stCondLst>
+                                    <p:cond delay="0"/>
+                                  </p:stCondLst>
+                                  <p:childTnLst>
+                                    <p:set>
+                                      <p:cBhvr>
+                                        <p:cTn id="12" dur="1" fill="hold">
+                                          <p:stCondLst>
+                                            <p:cond delay="0"/>
+                                          </p:stCondLst>
+                                        </p:cTn>
+                                        <p:tgtEl>
+                                          <p:spTgt spid="3">
+                                            <p:txEl>
+                                              <p:pRg st="4" end="4"/>
+                                            </p:txEl>
+                                          </p:spTgt>
+                                        </p:tgtEl>
+                                        <p:attrNameLst>
+                                          <p:attrName>style.visibility</p:attrName>
+                                        </p:attrNameLst>
+                                      </p:cBhvr>
+                                      <p:to>
+                                        <p:strVal val="visible"/>
+                                      </p:to>
+                                    </p:set>
+                                    <p:animEffect transition="in" filter="fade">
+                                      <p:cBhvr>
+                                        <p:cTn id="13" dur="500"/>
+                                        <p:tgtEl>
+                                          <p:spTgt spid="3">
+                                            <p:txEl>
+                                              <p:pRg st="4" end="4"/>
+                                            </p:txEl>
+                                          </p:spTgt>
+                                        </p:tgtEl>
+                                      </p:cBhvr>
+                                    </p:animEffect>
+                                  </p:childTnLst>
+                                </p:cTn>
+                              </p:par>
+                            </p:childTnLst>
+                          </p:cTn>
+                        </p:par>
+                      </p:childTnLst>
+                    </p:cTn>
+                  </p:par>
+                </p:childTnLst>
+              </p:cTn>
+              <p:prevCondLst>
+                <p:cond evt="onPrev" delay="0">
+                  <p:tgtEl>
+                    <p:sldTgt/>
+                  </p:tgtEl>
+                </p:cond>
+              </p:prevCondLst>
+              <p:nextCondLst>
+                <p:cond evt="onNext" delay="0">
+                  <p:tgtEl>
+                    <p:sldTgt/>
+                  </p:tgtEl>
+                </p:cond>
+              </p:nextCondLst>
+            </p:seq>
+          </p:childTnLst>
+        </p:cTn>
+      </p:par>
+    </p:tnLst>
+  </p:timing>
+</p:sld>
+</file>
+
+<file path=ppt/slides/slide11.xml><?xml version="1.0" encoding="utf-8"?>
 <p:sld xmlns:a="http://schemas.openxmlformats.org/drawingml/2006/main" xmlns:r="http://schemas.openxmlformats.org/officeDocument/2006/relationships" xmlns:p="http://schemas.openxmlformats.org/presentationml/2006/main">
   <p:cSld>
     <p:spTree>
@@ -4762,7 +5082,7 @@
 </p:sld>
 </file>
 
-<file path=ppt/slides/slide11.xml><?xml version="1.0" encoding="utf-8"?>
+<file path=ppt/slides/slide12.xml><?xml version="1.0" encoding="utf-8"?>
 <p:sld xmlns:a="http://schemas.openxmlformats.org/drawingml/2006/main" xmlns:r="http://schemas.openxmlformats.org/officeDocument/2006/relationships" xmlns:p="http://schemas.openxmlformats.org/presentationml/2006/main">
   <p:cSld>
     <p:spTree>
@@ -4942,6 +5262,66 @@
 </file>
 
 <file path=ppt/slides/slide3.xml><?xml version="1.0" encoding="utf-8"?>
+<p:sld xmlns:a="http://schemas.openxmlformats.org/drawingml/2006/main" xmlns:r="http://schemas.openxmlformats.org/officeDocument/2006/relationships" xmlns:p="http://schemas.openxmlformats.org/presentationml/2006/main">
+  <p:cSld>
+    <p:spTree>
+      <p:nvGrpSpPr>
+        <p:cNvPr id="1" name=""/>
+        <p:cNvGrpSpPr/>
+        <p:nvPr/>
+      </p:nvGrpSpPr>
+      <p:grpSpPr>
+        <a:xfrm>
+          <a:off x="0" y="0"/>
+          <a:ext cx="0" cy="0"/>
+          <a:chOff x="0" y="0"/>
+          <a:chExt cx="0" cy="0"/>
+        </a:xfrm>
+      </p:grpSpPr>
+      <p:pic>
+        <p:nvPicPr>
+          <p:cNvPr id="3" name="Picture 2">
+            <a:extLst>
+              <a:ext uri="{FF2B5EF4-FFF2-40B4-BE49-F238E27FC236}">
+                <a16:creationId xmlns:a16="http://schemas.microsoft.com/office/drawing/2014/main" id="{3286C723-7CC1-6EEB-440B-4B2653AD966A}"/>
+              </a:ext>
+            </a:extLst>
+          </p:cNvPr>
+          <p:cNvPicPr>
+            <a:picLocks noChangeAspect="1"/>
+          </p:cNvPicPr>
+          <p:nvPr/>
+        </p:nvPicPr>
+        <p:blipFill>
+          <a:blip r:embed="rId2"/>
+          <a:stretch>
+            <a:fillRect/>
+          </a:stretch>
+        </p:blipFill>
+        <p:spPr>
+          <a:xfrm>
+            <a:off x="3407103" y="0"/>
+            <a:ext cx="5377793" cy="6858000"/>
+          </a:xfrm>
+          <a:prstGeom prst="rect">
+            <a:avLst/>
+          </a:prstGeom>
+        </p:spPr>
+      </p:pic>
+    </p:spTree>
+    <p:extLst>
+      <p:ext uri="{BB962C8B-B14F-4D97-AF65-F5344CB8AC3E}">
+        <p14:creationId xmlns:p14="http://schemas.microsoft.com/office/powerpoint/2010/main" val="3077639231"/>
+      </p:ext>
+    </p:extLst>
+  </p:cSld>
+  <p:clrMapOvr>
+    <a:masterClrMapping/>
+  </p:clrMapOvr>
+</p:sld>
+</file>
+
+<file path=ppt/slides/slide4.xml><?xml version="1.0" encoding="utf-8"?>
 <p:sld xmlns:a="http://schemas.openxmlformats.org/drawingml/2006/main" xmlns:r="http://schemas.openxmlformats.org/officeDocument/2006/relationships" xmlns:p="http://schemas.openxmlformats.org/presentationml/2006/main">
   <p:cSld>
     <p:spTree>
@@ -6724,7 +7104,7 @@
 </p:sld>
 </file>
 
-<file path=ppt/slides/slide4.xml><?xml version="1.0" encoding="utf-8"?>
+<file path=ppt/slides/slide5.xml><?xml version="1.0" encoding="utf-8"?>
 <p:sld xmlns:a="http://schemas.openxmlformats.org/drawingml/2006/main" xmlns:r="http://schemas.openxmlformats.org/officeDocument/2006/relationships" xmlns:p="http://schemas.openxmlformats.org/presentationml/2006/main">
   <p:cSld>
     <p:spTree>
@@ -7345,7 +7725,7 @@
 </p:sld>
 </file>
 
-<file path=ppt/slides/slide5.xml><?xml version="1.0" encoding="utf-8"?>
+<file path=ppt/slides/slide6.xml><?xml version="1.0" encoding="utf-8"?>
 <p:sld xmlns:a="http://schemas.openxmlformats.org/drawingml/2006/main" xmlns:r="http://schemas.openxmlformats.org/officeDocument/2006/relationships" xmlns:p="http://schemas.openxmlformats.org/presentationml/2006/main">
   <p:cSld>
     <p:spTree>
@@ -7479,7 +7859,7 @@
 </p:sld>
 </file>
 
-<file path=ppt/slides/slide6.xml><?xml version="1.0" encoding="utf-8"?>
+<file path=ppt/slides/slide7.xml><?xml version="1.0" encoding="utf-8"?>
 <p:sld xmlns:a="http://schemas.openxmlformats.org/drawingml/2006/main" xmlns:r="http://schemas.openxmlformats.org/officeDocument/2006/relationships" xmlns:p="http://schemas.openxmlformats.org/presentationml/2006/main">
   <p:cSld>
     <p:spTree>
@@ -7606,7 +7986,7 @@
 </p:sld>
 </file>
 
-<file path=ppt/slides/slide7.xml><?xml version="1.0" encoding="utf-8"?>
+<file path=ppt/slides/slide8.xml><?xml version="1.0" encoding="utf-8"?>
 <p:sld xmlns:a="http://schemas.openxmlformats.org/drawingml/2006/main" xmlns:r="http://schemas.openxmlformats.org/officeDocument/2006/relationships" xmlns:p="http://schemas.openxmlformats.org/presentationml/2006/main">
   <p:cSld>
     <p:spTree>
@@ -7733,7 +8113,7 @@
 </p:sld>
 </file>
 
-<file path=ppt/slides/slide8.xml><?xml version="1.0" encoding="utf-8"?>
+<file path=ppt/slides/slide9.xml><?xml version="1.0" encoding="utf-8"?>
 <p:sld xmlns:a="http://schemas.openxmlformats.org/drawingml/2006/main" xmlns:r="http://schemas.openxmlformats.org/officeDocument/2006/relationships" xmlns:p="http://schemas.openxmlformats.org/presentationml/2006/main">
   <p:cSld>
     <p:spTree>
@@ -8189,310 +8569,6 @@
                                           <p:spTgt spid="3">
                                             <p:txEl>
                                               <p:pRg st="10" end="10"/>
-                                            </p:txEl>
-                                          </p:spTgt>
-                                        </p:tgtEl>
-                                      </p:cBhvr>
-                                    </p:animEffect>
-                                  </p:childTnLst>
-                                </p:cTn>
-                              </p:par>
-                            </p:childTnLst>
-                          </p:cTn>
-                        </p:par>
-                      </p:childTnLst>
-                    </p:cTn>
-                  </p:par>
-                </p:childTnLst>
-              </p:cTn>
-              <p:prevCondLst>
-                <p:cond evt="onPrev" delay="0">
-                  <p:tgtEl>
-                    <p:sldTgt/>
-                  </p:tgtEl>
-                </p:cond>
-              </p:prevCondLst>
-              <p:nextCondLst>
-                <p:cond evt="onNext" delay="0">
-                  <p:tgtEl>
-                    <p:sldTgt/>
-                  </p:tgtEl>
-                </p:cond>
-              </p:nextCondLst>
-            </p:seq>
-          </p:childTnLst>
-        </p:cTn>
-      </p:par>
-    </p:tnLst>
-  </p:timing>
-</p:sld>
-</file>
-
-<file path=ppt/slides/slide9.xml><?xml version="1.0" encoding="utf-8"?>
-<p:sld xmlns:a="http://schemas.openxmlformats.org/drawingml/2006/main" xmlns:r="http://schemas.openxmlformats.org/officeDocument/2006/relationships" xmlns:p="http://schemas.openxmlformats.org/presentationml/2006/main">
-  <p:cSld>
-    <p:spTree>
-      <p:nvGrpSpPr>
-        <p:cNvPr id="1" name=""/>
-        <p:cNvGrpSpPr/>
-        <p:nvPr/>
-      </p:nvGrpSpPr>
-      <p:grpSpPr>
-        <a:xfrm>
-          <a:off x="0" y="0"/>
-          <a:ext cx="0" cy="0"/>
-          <a:chOff x="0" y="0"/>
-          <a:chExt cx="0" cy="0"/>
-        </a:xfrm>
-      </p:grpSpPr>
-      <p:sp>
-        <p:nvSpPr>
-          <p:cNvPr id="2" name="Title 1">
-            <a:extLst>
-              <a:ext uri="{FF2B5EF4-FFF2-40B4-BE49-F238E27FC236}">
-                <a16:creationId xmlns:a16="http://schemas.microsoft.com/office/drawing/2014/main" id="{B266A0CA-6545-7BC0-292D-52623D173854}"/>
-              </a:ext>
-            </a:extLst>
-          </p:cNvPr>
-          <p:cNvSpPr>
-            <a:spLocks noGrp="1"/>
-          </p:cNvSpPr>
-          <p:nvPr>
-            <p:ph type="title"/>
-          </p:nvPr>
-        </p:nvSpPr>
-        <p:spPr/>
-        <p:txBody>
-          <a:bodyPr/>
-          <a:lstStyle/>
-          <a:p>
-            <a:r>
-              <a:rPr lang="en-US" dirty="0"/>
-              <a:t>Statistics review</a:t>
-            </a:r>
-          </a:p>
-        </p:txBody>
-      </p:sp>
-      <p:sp>
-        <p:nvSpPr>
-          <p:cNvPr id="3" name="Content Placeholder 2">
-            <a:extLst>
-              <a:ext uri="{FF2B5EF4-FFF2-40B4-BE49-F238E27FC236}">
-                <a16:creationId xmlns:a16="http://schemas.microsoft.com/office/drawing/2014/main" id="{075ACEFB-D489-F3A7-BFC6-FD3EAC165802}"/>
-              </a:ext>
-            </a:extLst>
-          </p:cNvPr>
-          <p:cNvSpPr>
-            <a:spLocks noGrp="1"/>
-          </p:cNvSpPr>
-          <p:nvPr>
-            <p:ph idx="1"/>
-          </p:nvPr>
-        </p:nvSpPr>
-        <p:spPr>
-          <a:xfrm>
-            <a:off x="749300" y="1444624"/>
-            <a:ext cx="11074400" cy="4918075"/>
-          </a:xfrm>
-        </p:spPr>
-        <p:txBody>
-          <a:bodyPr>
-            <a:normAutofit/>
-          </a:bodyPr>
-          <a:lstStyle/>
-          <a:p>
-            <a:r>
-              <a:rPr lang="en-US" dirty="0"/>
-              <a:t>Population statistics</a:t>
-            </a:r>
-          </a:p>
-          <a:p>
-            <a:pPr lvl="1"/>
-            <a:r>
-              <a:rPr lang="en-US" dirty="0"/>
-              <a:t>95% confidence intervals:</a:t>
-            </a:r>
-          </a:p>
-          <a:p>
-            <a:pPr lvl="2"/>
-            <a:r>
-              <a:rPr lang="en-US" dirty="0"/>
-              <a:t>An interval which should include the population mean 95% of the time</a:t>
-            </a:r>
-          </a:p>
-          <a:p>
-            <a:pPr lvl="2"/>
-            <a:r>
-              <a:rPr lang="en-US" dirty="0"/>
-              <a:t>Lower boundary: x̅ – 1.96*SE</a:t>
-            </a:r>
-          </a:p>
-          <a:p>
-            <a:pPr lvl="2"/>
-            <a:r>
-              <a:rPr lang="en-US" dirty="0"/>
-              <a:t>Upper boundary: x̅ + 1.96*SE</a:t>
-            </a:r>
-          </a:p>
-          <a:p>
-            <a:pPr marL="914400" lvl="2" indent="0">
-              <a:buNone/>
-            </a:pPr>
-            <a:endParaRPr lang="en-US" dirty="0"/>
-          </a:p>
-        </p:txBody>
-      </p:sp>
-    </p:spTree>
-    <p:extLst>
-      <p:ext uri="{BB962C8B-B14F-4D97-AF65-F5344CB8AC3E}">
-        <p14:creationId xmlns:p14="http://schemas.microsoft.com/office/powerpoint/2010/main" val="3193460410"/>
-      </p:ext>
-    </p:extLst>
-  </p:cSld>
-  <p:clrMapOvr>
-    <a:masterClrMapping/>
-  </p:clrMapOvr>
-  <p:timing>
-    <p:tnLst>
-      <p:par>
-        <p:cTn id="1" dur="indefinite" restart="never" nodeType="tmRoot">
-          <p:childTnLst>
-            <p:seq concurrent="1" nextAc="seek">
-              <p:cTn id="2" dur="indefinite" nodeType="mainSeq">
-                <p:childTnLst>
-                  <p:par>
-                    <p:cTn id="3" fill="hold">
-                      <p:stCondLst>
-                        <p:cond delay="indefinite"/>
-                      </p:stCondLst>
-                      <p:childTnLst>
-                        <p:par>
-                          <p:cTn id="4" fill="hold">
-                            <p:stCondLst>
-                              <p:cond delay="0"/>
-                            </p:stCondLst>
-                            <p:childTnLst>
-                              <p:par>
-                                <p:cTn id="5" presetID="10" presetClass="entr" presetSubtype="0" fill="hold" nodeType="clickEffect">
-                                  <p:stCondLst>
-                                    <p:cond delay="0"/>
-                                  </p:stCondLst>
-                                  <p:childTnLst>
-                                    <p:set>
-                                      <p:cBhvr>
-                                        <p:cTn id="6" dur="1" fill="hold">
-                                          <p:stCondLst>
-                                            <p:cond delay="0"/>
-                                          </p:stCondLst>
-                                        </p:cTn>
-                                        <p:tgtEl>
-                                          <p:spTgt spid="3">
-                                            <p:txEl>
-                                              <p:pRg st="2" end="2"/>
-                                            </p:txEl>
-                                          </p:spTgt>
-                                        </p:tgtEl>
-                                        <p:attrNameLst>
-                                          <p:attrName>style.visibility</p:attrName>
-                                        </p:attrNameLst>
-                                      </p:cBhvr>
-                                      <p:to>
-                                        <p:strVal val="visible"/>
-                                      </p:to>
-                                    </p:set>
-                                    <p:animEffect transition="in" filter="fade">
-                                      <p:cBhvr>
-                                        <p:cTn id="7" dur="500"/>
-                                        <p:tgtEl>
-                                          <p:spTgt spid="3">
-                                            <p:txEl>
-                                              <p:pRg st="2" end="2"/>
-                                            </p:txEl>
-                                          </p:spTgt>
-                                        </p:tgtEl>
-                                      </p:cBhvr>
-                                    </p:animEffect>
-                                  </p:childTnLst>
-                                </p:cTn>
-                              </p:par>
-                              <p:par>
-                                <p:cTn id="8" presetID="10" presetClass="entr" presetSubtype="0" fill="hold" nodeType="withEffect">
-                                  <p:stCondLst>
-                                    <p:cond delay="0"/>
-                                  </p:stCondLst>
-                                  <p:childTnLst>
-                                    <p:set>
-                                      <p:cBhvr>
-                                        <p:cTn id="9" dur="1" fill="hold">
-                                          <p:stCondLst>
-                                            <p:cond delay="0"/>
-                                          </p:stCondLst>
-                                        </p:cTn>
-                                        <p:tgtEl>
-                                          <p:spTgt spid="3">
-                                            <p:txEl>
-                                              <p:pRg st="3" end="3"/>
-                                            </p:txEl>
-                                          </p:spTgt>
-                                        </p:tgtEl>
-                                        <p:attrNameLst>
-                                          <p:attrName>style.visibility</p:attrName>
-                                        </p:attrNameLst>
-                                      </p:cBhvr>
-                                      <p:to>
-                                        <p:strVal val="visible"/>
-                                      </p:to>
-                                    </p:set>
-                                    <p:animEffect transition="in" filter="fade">
-                                      <p:cBhvr>
-                                        <p:cTn id="10" dur="500"/>
-                                        <p:tgtEl>
-                                          <p:spTgt spid="3">
-                                            <p:txEl>
-                                              <p:pRg st="3" end="3"/>
-                                            </p:txEl>
-                                          </p:spTgt>
-                                        </p:tgtEl>
-                                      </p:cBhvr>
-                                    </p:animEffect>
-                                  </p:childTnLst>
-                                </p:cTn>
-                              </p:par>
-                              <p:par>
-                                <p:cTn id="11" presetID="10" presetClass="entr" presetSubtype="0" fill="hold" nodeType="withEffect">
-                                  <p:stCondLst>
-                                    <p:cond delay="0"/>
-                                  </p:stCondLst>
-                                  <p:childTnLst>
-                                    <p:set>
-                                      <p:cBhvr>
-                                        <p:cTn id="12" dur="1" fill="hold">
-                                          <p:stCondLst>
-                                            <p:cond delay="0"/>
-                                          </p:stCondLst>
-                                        </p:cTn>
-                                        <p:tgtEl>
-                                          <p:spTgt spid="3">
-                                            <p:txEl>
-                                              <p:pRg st="4" end="4"/>
-                                            </p:txEl>
-                                          </p:spTgt>
-                                        </p:tgtEl>
-                                        <p:attrNameLst>
-                                          <p:attrName>style.visibility</p:attrName>
-                                        </p:attrNameLst>
-                                      </p:cBhvr>
-                                      <p:to>
-                                        <p:strVal val="visible"/>
-                                      </p:to>
-                                    </p:set>
-                                    <p:animEffect transition="in" filter="fade">
-                                      <p:cBhvr>
-                                        <p:cTn id="13" dur="500"/>
-                                        <p:tgtEl>
-                                          <p:spTgt spid="3">
-                                            <p:txEl>
-                                              <p:pRg st="4" end="4"/>
                                             </p:txEl>
                                           </p:spTgt>
                                         </p:tgtEl>
